--- a/database/slides/COME_O_LORD_OUR_HUNGER_TO_RELIEVE.pptx
+++ b/database/slides/COME_O_LORD_OUR_HUNGER_TO_RELIEVE.pptx
@@ -15959,7 +15959,13 @@
       </p:sp>
       <p:sp>
         <p:nvSpPr>
-          <p:cNvPr id="131" name="Google Shape;131;p25"/>
+          <p:cNvPr id="2" name="Google Shape;131;p25">
+            <a:extLst>
+              <a:ext uri="{FF2B5EF4-FFF2-40B4-BE49-F238E27FC236}">
+                <a16:creationId xmlns:a16="http://schemas.microsoft.com/office/drawing/2014/main" id="{1DEEF331-C47C-D834-7199-9FD7B1A11D36}"/>
+              </a:ext>
+            </a:extLst>
+          </p:cNvPr>
           <p:cNvSpPr txBox="1"/>
           <p:nvPr/>
         </p:nvSpPr>
@@ -16004,9 +16010,16 @@
                 <a:latin typeface="Calibri"/>
                 <a:ea typeface="Calibri"/>
                 <a:cs typeface="Calibri"/>
+                <a:sym typeface="Calibri"/>
               </a:rPr>
               <a:t>contd..</a:t>
             </a:r>
+            <a:endParaRPr sz="3600" dirty="0">
+              <a:latin typeface="Calibri"/>
+              <a:ea typeface="Calibri"/>
+              <a:cs typeface="Calibri"/>
+              <a:sym typeface="Calibri"/>
+            </a:endParaRPr>
           </a:p>
         </p:txBody>
       </p:sp>
@@ -16268,7 +16281,13 @@
       </p:sp>
       <p:sp>
         <p:nvSpPr>
-          <p:cNvPr id="131" name="Google Shape;131;p25"/>
+          <p:cNvPr id="2" name="Google Shape;131;p25">
+            <a:extLst>
+              <a:ext uri="{FF2B5EF4-FFF2-40B4-BE49-F238E27FC236}">
+                <a16:creationId xmlns:a16="http://schemas.microsoft.com/office/drawing/2014/main" id="{2869E90B-B3EB-6BBB-B289-730F5668110C}"/>
+              </a:ext>
+            </a:extLst>
+          </p:cNvPr>
           <p:cNvSpPr txBox="1"/>
           <p:nvPr/>
         </p:nvSpPr>
@@ -16313,9 +16332,16 @@
                 <a:latin typeface="Calibri"/>
                 <a:ea typeface="Calibri"/>
                 <a:cs typeface="Calibri"/>
+                <a:sym typeface="Calibri"/>
               </a:rPr>
               <a:t>contd..</a:t>
             </a:r>
+            <a:endParaRPr sz="3600" dirty="0">
+              <a:latin typeface="Calibri"/>
+              <a:ea typeface="Calibri"/>
+              <a:cs typeface="Calibri"/>
+              <a:sym typeface="Calibri"/>
+            </a:endParaRPr>
           </a:p>
         </p:txBody>
       </p:sp>
@@ -16567,7 +16593,13 @@
       </p:sp>
       <p:sp>
         <p:nvSpPr>
-          <p:cNvPr id="131" name="Google Shape;131;p25"/>
+          <p:cNvPr id="2" name="Google Shape;131;p25">
+            <a:extLst>
+              <a:ext uri="{FF2B5EF4-FFF2-40B4-BE49-F238E27FC236}">
+                <a16:creationId xmlns:a16="http://schemas.microsoft.com/office/drawing/2014/main" id="{589561FE-D4D5-EC10-D3F5-38F8283E2D1B}"/>
+              </a:ext>
+            </a:extLst>
+          </p:cNvPr>
           <p:cNvSpPr txBox="1"/>
           <p:nvPr/>
         </p:nvSpPr>
@@ -16612,9 +16644,16 @@
                 <a:latin typeface="Calibri"/>
                 <a:ea typeface="Calibri"/>
                 <a:cs typeface="Calibri"/>
+                <a:sym typeface="Calibri"/>
               </a:rPr>
               <a:t>contd..</a:t>
             </a:r>
+            <a:endParaRPr sz="3600" dirty="0">
+              <a:latin typeface="Calibri"/>
+              <a:ea typeface="Calibri"/>
+              <a:cs typeface="Calibri"/>
+              <a:sym typeface="Calibri"/>
+            </a:endParaRPr>
           </a:p>
         </p:txBody>
       </p:sp>
